--- a/images/fulls/align.pptx
+++ b/images/fulls/align.pptx
@@ -113,6 +113,11 @@
       </a:defRPr>
     </a:lvl9pPr>
   </p:defaultTextStyle>
+  <p:extLst>
+    <p:ext uri="{EFAFB233-063F-42B5-8137-9DF3F51BA10A}">
+      <p15:sldGuideLst xmlns:p15="http://schemas.microsoft.com/office/powerpoint/2012/main"/>
+    </p:ext>
+  </p:extLst>
 </p:presentation>
 </file>
 
@@ -247,7 +252,7 @@
           <a:p>
             <a:fld id="{0FABD8B0-BC6D-4BA0-856C-5BF0D9D57091}" type="datetimeFigureOut">
               <a:rPr lang="zh-CN" altLang="en-US" smtClean="0"/>
-              <a:t>2022/11/22</a:t>
+              <a:t>2023/5/24</a:t>
             </a:fld>
             <a:endParaRPr lang="zh-CN" altLang="en-US"/>
           </a:p>
@@ -417,7 +422,7 @@
           <a:p>
             <a:fld id="{0FABD8B0-BC6D-4BA0-856C-5BF0D9D57091}" type="datetimeFigureOut">
               <a:rPr lang="zh-CN" altLang="en-US" smtClean="0"/>
-              <a:t>2022/11/22</a:t>
+              <a:t>2023/5/24</a:t>
             </a:fld>
             <a:endParaRPr lang="zh-CN" altLang="en-US"/>
           </a:p>
@@ -597,7 +602,7 @@
           <a:p>
             <a:fld id="{0FABD8B0-BC6D-4BA0-856C-5BF0D9D57091}" type="datetimeFigureOut">
               <a:rPr lang="zh-CN" altLang="en-US" smtClean="0"/>
-              <a:t>2022/11/22</a:t>
+              <a:t>2023/5/24</a:t>
             </a:fld>
             <a:endParaRPr lang="zh-CN" altLang="en-US"/>
           </a:p>
@@ -767,7 +772,7 @@
           <a:p>
             <a:fld id="{0FABD8B0-BC6D-4BA0-856C-5BF0D9D57091}" type="datetimeFigureOut">
               <a:rPr lang="zh-CN" altLang="en-US" smtClean="0"/>
-              <a:t>2022/11/22</a:t>
+              <a:t>2023/5/24</a:t>
             </a:fld>
             <a:endParaRPr lang="zh-CN" altLang="en-US"/>
           </a:p>
@@ -1013,7 +1018,7 @@
           <a:p>
             <a:fld id="{0FABD8B0-BC6D-4BA0-856C-5BF0D9D57091}" type="datetimeFigureOut">
               <a:rPr lang="zh-CN" altLang="en-US" smtClean="0"/>
-              <a:t>2022/11/22</a:t>
+              <a:t>2023/5/24</a:t>
             </a:fld>
             <a:endParaRPr lang="zh-CN" altLang="en-US"/>
           </a:p>
@@ -1245,7 +1250,7 @@
           <a:p>
             <a:fld id="{0FABD8B0-BC6D-4BA0-856C-5BF0D9D57091}" type="datetimeFigureOut">
               <a:rPr lang="zh-CN" altLang="en-US" smtClean="0"/>
-              <a:t>2022/11/22</a:t>
+              <a:t>2023/5/24</a:t>
             </a:fld>
             <a:endParaRPr lang="zh-CN" altLang="en-US"/>
           </a:p>
@@ -1612,7 +1617,7 @@
           <a:p>
             <a:fld id="{0FABD8B0-BC6D-4BA0-856C-5BF0D9D57091}" type="datetimeFigureOut">
               <a:rPr lang="zh-CN" altLang="en-US" smtClean="0"/>
-              <a:t>2022/11/22</a:t>
+              <a:t>2023/5/24</a:t>
             </a:fld>
             <a:endParaRPr lang="zh-CN" altLang="en-US"/>
           </a:p>
@@ -1730,7 +1735,7 @@
           <a:p>
             <a:fld id="{0FABD8B0-BC6D-4BA0-856C-5BF0D9D57091}" type="datetimeFigureOut">
               <a:rPr lang="zh-CN" altLang="en-US" smtClean="0"/>
-              <a:t>2022/11/22</a:t>
+              <a:t>2023/5/24</a:t>
             </a:fld>
             <a:endParaRPr lang="zh-CN" altLang="en-US"/>
           </a:p>
@@ -1825,7 +1830,7 @@
           <a:p>
             <a:fld id="{0FABD8B0-BC6D-4BA0-856C-5BF0D9D57091}" type="datetimeFigureOut">
               <a:rPr lang="zh-CN" altLang="en-US" smtClean="0"/>
-              <a:t>2022/11/22</a:t>
+              <a:t>2023/5/24</a:t>
             </a:fld>
             <a:endParaRPr lang="zh-CN" altLang="en-US"/>
           </a:p>
@@ -2102,7 +2107,7 @@
           <a:p>
             <a:fld id="{0FABD8B0-BC6D-4BA0-856C-5BF0D9D57091}" type="datetimeFigureOut">
               <a:rPr lang="zh-CN" altLang="en-US" smtClean="0"/>
-              <a:t>2022/11/22</a:t>
+              <a:t>2023/5/24</a:t>
             </a:fld>
             <a:endParaRPr lang="zh-CN" altLang="en-US"/>
           </a:p>
@@ -2359,7 +2364,7 @@
           <a:p>
             <a:fld id="{0FABD8B0-BC6D-4BA0-856C-5BF0D9D57091}" type="datetimeFigureOut">
               <a:rPr lang="zh-CN" altLang="en-US" smtClean="0"/>
-              <a:t>2022/11/22</a:t>
+              <a:t>2023/5/24</a:t>
             </a:fld>
             <a:endParaRPr lang="zh-CN" altLang="en-US"/>
           </a:p>
@@ -2572,7 +2577,7 @@
           <a:p>
             <a:fld id="{0FABD8B0-BC6D-4BA0-856C-5BF0D9D57091}" type="datetimeFigureOut">
               <a:rPr lang="zh-CN" altLang="en-US" smtClean="0"/>
-              <a:t>2022/11/22</a:t>
+              <a:t>2023/5/24</a:t>
             </a:fld>
             <a:endParaRPr lang="zh-CN" altLang="en-US"/>
           </a:p>
@@ -3043,6 +3048,42 @@
           <a:chExt cx="0" cy="0"/>
         </a:xfrm>
       </p:grpSpPr>
+      <p:pic>
+        <p:nvPicPr>
+          <p:cNvPr id="3" name="图片 2">
+            <a:extLst>
+              <a:ext uri="{FF2B5EF4-FFF2-40B4-BE49-F238E27FC236}">
+                <a16:creationId xmlns:a16="http://schemas.microsoft.com/office/drawing/2014/main" id="{523EE17A-A395-6222-3504-2F54DA506679}"/>
+              </a:ext>
+            </a:extLst>
+          </p:cNvPr>
+          <p:cNvPicPr>
+            <a:picLocks noChangeAspect="1"/>
+          </p:cNvPicPr>
+          <p:nvPr/>
+        </p:nvPicPr>
+        <p:blipFill>
+          <a:blip r:embed="rId2">
+            <a:extLst>
+              <a:ext uri="{28A0092B-C50C-407E-A947-70E740481C1C}">
+                <a14:useLocalDpi xmlns:a14="http://schemas.microsoft.com/office/drawing/2010/main" val="0"/>
+              </a:ext>
+            </a:extLst>
+          </a:blip>
+          <a:stretch>
+            <a:fillRect/>
+          </a:stretch>
+        </p:blipFill>
+        <p:spPr>
+          <a:xfrm>
+            <a:off x="803255" y="0"/>
+            <a:ext cx="7393027" cy="4319588"/>
+          </a:xfrm>
+          <a:prstGeom prst="rect">
+            <a:avLst/>
+          </a:prstGeom>
+        </p:spPr>
+      </p:pic>
     </p:spTree>
     <p:extLst>
       <p:ext uri="{BB962C8B-B14F-4D97-AF65-F5344CB8AC3E}">

--- a/images/fulls/align.pptx
+++ b/images/fulls/align.pptx
@@ -15,6 +15,7 @@
     <p:sldId id="263" r:id="rId9"/>
     <p:sldId id="265" r:id="rId10"/>
     <p:sldId id="266" r:id="rId11"/>
+    <p:sldId id="267" r:id="rId12"/>
   </p:sldIdLst>
   <p:sldSz cx="8999538" cy="4319588"/>
   <p:notesSz cx="6858000" cy="9144000"/>
@@ -252,7 +253,7 @@
           <a:p>
             <a:fld id="{0FABD8B0-BC6D-4BA0-856C-5BF0D9D57091}" type="datetimeFigureOut">
               <a:rPr lang="zh-CN" altLang="en-US" smtClean="0"/>
-              <a:t>2023/5/24</a:t>
+              <a:t>2024/5/20</a:t>
             </a:fld>
             <a:endParaRPr lang="zh-CN" altLang="en-US"/>
           </a:p>
@@ -422,7 +423,7 @@
           <a:p>
             <a:fld id="{0FABD8B0-BC6D-4BA0-856C-5BF0D9D57091}" type="datetimeFigureOut">
               <a:rPr lang="zh-CN" altLang="en-US" smtClean="0"/>
-              <a:t>2023/5/24</a:t>
+              <a:t>2024/5/20</a:t>
             </a:fld>
             <a:endParaRPr lang="zh-CN" altLang="en-US"/>
           </a:p>
@@ -602,7 +603,7 @@
           <a:p>
             <a:fld id="{0FABD8B0-BC6D-4BA0-856C-5BF0D9D57091}" type="datetimeFigureOut">
               <a:rPr lang="zh-CN" altLang="en-US" smtClean="0"/>
-              <a:t>2023/5/24</a:t>
+              <a:t>2024/5/20</a:t>
             </a:fld>
             <a:endParaRPr lang="zh-CN" altLang="en-US"/>
           </a:p>
@@ -772,7 +773,7 @@
           <a:p>
             <a:fld id="{0FABD8B0-BC6D-4BA0-856C-5BF0D9D57091}" type="datetimeFigureOut">
               <a:rPr lang="zh-CN" altLang="en-US" smtClean="0"/>
-              <a:t>2023/5/24</a:t>
+              <a:t>2024/5/20</a:t>
             </a:fld>
             <a:endParaRPr lang="zh-CN" altLang="en-US"/>
           </a:p>
@@ -1018,7 +1019,7 @@
           <a:p>
             <a:fld id="{0FABD8B0-BC6D-4BA0-856C-5BF0D9D57091}" type="datetimeFigureOut">
               <a:rPr lang="zh-CN" altLang="en-US" smtClean="0"/>
-              <a:t>2023/5/24</a:t>
+              <a:t>2024/5/20</a:t>
             </a:fld>
             <a:endParaRPr lang="zh-CN" altLang="en-US"/>
           </a:p>
@@ -1250,7 +1251,7 @@
           <a:p>
             <a:fld id="{0FABD8B0-BC6D-4BA0-856C-5BF0D9D57091}" type="datetimeFigureOut">
               <a:rPr lang="zh-CN" altLang="en-US" smtClean="0"/>
-              <a:t>2023/5/24</a:t>
+              <a:t>2024/5/20</a:t>
             </a:fld>
             <a:endParaRPr lang="zh-CN" altLang="en-US"/>
           </a:p>
@@ -1617,7 +1618,7 @@
           <a:p>
             <a:fld id="{0FABD8B0-BC6D-4BA0-856C-5BF0D9D57091}" type="datetimeFigureOut">
               <a:rPr lang="zh-CN" altLang="en-US" smtClean="0"/>
-              <a:t>2023/5/24</a:t>
+              <a:t>2024/5/20</a:t>
             </a:fld>
             <a:endParaRPr lang="zh-CN" altLang="en-US"/>
           </a:p>
@@ -1735,7 +1736,7 @@
           <a:p>
             <a:fld id="{0FABD8B0-BC6D-4BA0-856C-5BF0D9D57091}" type="datetimeFigureOut">
               <a:rPr lang="zh-CN" altLang="en-US" smtClean="0"/>
-              <a:t>2023/5/24</a:t>
+              <a:t>2024/5/20</a:t>
             </a:fld>
             <a:endParaRPr lang="zh-CN" altLang="en-US"/>
           </a:p>
@@ -1830,7 +1831,7 @@
           <a:p>
             <a:fld id="{0FABD8B0-BC6D-4BA0-856C-5BF0D9D57091}" type="datetimeFigureOut">
               <a:rPr lang="zh-CN" altLang="en-US" smtClean="0"/>
-              <a:t>2023/5/24</a:t>
+              <a:t>2024/5/20</a:t>
             </a:fld>
             <a:endParaRPr lang="zh-CN" altLang="en-US"/>
           </a:p>
@@ -2107,7 +2108,7 @@
           <a:p>
             <a:fld id="{0FABD8B0-BC6D-4BA0-856C-5BF0D9D57091}" type="datetimeFigureOut">
               <a:rPr lang="zh-CN" altLang="en-US" smtClean="0"/>
-              <a:t>2023/5/24</a:t>
+              <a:t>2024/5/20</a:t>
             </a:fld>
             <a:endParaRPr lang="zh-CN" altLang="en-US"/>
           </a:p>
@@ -2364,7 +2365,7 @@
           <a:p>
             <a:fld id="{0FABD8B0-BC6D-4BA0-856C-5BF0D9D57091}" type="datetimeFigureOut">
               <a:rPr lang="zh-CN" altLang="en-US" smtClean="0"/>
-              <a:t>2023/5/24</a:t>
+              <a:t>2024/5/20</a:t>
             </a:fld>
             <a:endParaRPr lang="zh-CN" altLang="en-US"/>
           </a:p>
@@ -2577,7 +2578,7 @@
           <a:p>
             <a:fld id="{0FABD8B0-BC6D-4BA0-856C-5BF0D9D57091}" type="datetimeFigureOut">
               <a:rPr lang="zh-CN" altLang="en-US" smtClean="0"/>
-              <a:t>2023/5/24</a:t>
+              <a:t>2024/5/20</a:t>
             </a:fld>
             <a:endParaRPr lang="zh-CN" altLang="en-US"/>
           </a:p>
@@ -3088,6 +3089,366 @@
     <p:extLst>
       <p:ext uri="{BB962C8B-B14F-4D97-AF65-F5344CB8AC3E}">
         <p14:creationId xmlns:p14="http://schemas.microsoft.com/office/powerpoint/2010/main" val="3706566597"/>
+      </p:ext>
+    </p:extLst>
+  </p:cSld>
+  <p:clrMapOvr>
+    <a:masterClrMapping/>
+  </p:clrMapOvr>
+</p:sld>
+</file>
+
+<file path=ppt/slides/slide11.xml><?xml version="1.0" encoding="utf-8"?>
+<p:sld xmlns:a="http://schemas.openxmlformats.org/drawingml/2006/main" xmlns:r="http://schemas.openxmlformats.org/officeDocument/2006/relationships" xmlns:p="http://schemas.openxmlformats.org/presentationml/2006/main">
+  <p:cSld>
+    <p:spTree>
+      <p:nvGrpSpPr>
+        <p:cNvPr id="1" name=""/>
+        <p:cNvGrpSpPr/>
+        <p:nvPr/>
+      </p:nvGrpSpPr>
+      <p:grpSpPr>
+        <a:xfrm>
+          <a:off x="0" y="0"/>
+          <a:ext cx="0" cy="0"/>
+          <a:chOff x="0" y="0"/>
+          <a:chExt cx="0" cy="0"/>
+        </a:xfrm>
+      </p:grpSpPr>
+      <p:grpSp>
+        <p:nvGrpSpPr>
+          <p:cNvPr id="14" name="组合 13">
+            <a:extLst>
+              <a:ext uri="{FF2B5EF4-FFF2-40B4-BE49-F238E27FC236}">
+                <a16:creationId xmlns:a16="http://schemas.microsoft.com/office/drawing/2014/main" id="{94CF2D4D-3C8C-6001-084D-05E246BECB8C}"/>
+              </a:ext>
+            </a:extLst>
+          </p:cNvPr>
+          <p:cNvGrpSpPr/>
+          <p:nvPr/>
+        </p:nvGrpSpPr>
+        <p:grpSpPr>
+          <a:xfrm>
+            <a:off x="94022" y="367938"/>
+            <a:ext cx="8811493" cy="3583711"/>
+            <a:chOff x="97235" y="285231"/>
+            <a:chExt cx="8811493" cy="3583711"/>
+          </a:xfrm>
+        </p:grpSpPr>
+        <p:pic>
+          <p:nvPicPr>
+            <p:cNvPr id="4" name="图片 3">
+              <a:extLst>
+                <a:ext uri="{FF2B5EF4-FFF2-40B4-BE49-F238E27FC236}">
+                  <a16:creationId xmlns:a16="http://schemas.microsoft.com/office/drawing/2014/main" id="{92939606-C752-C5D3-0137-1516C672F98A}"/>
+                </a:ext>
+              </a:extLst>
+            </p:cNvPr>
+            <p:cNvPicPr>
+              <a:picLocks noChangeAspect="1"/>
+            </p:cNvPicPr>
+            <p:nvPr/>
+          </p:nvPicPr>
+          <p:blipFill>
+            <a:blip r:embed="rId2">
+              <a:extLst>
+                <a:ext uri="{28A0092B-C50C-407E-A947-70E740481C1C}">
+                  <a14:useLocalDpi xmlns:a14="http://schemas.microsoft.com/office/drawing/2010/main" val="0"/>
+                </a:ext>
+              </a:extLst>
+            </a:blip>
+            <a:stretch>
+              <a:fillRect/>
+            </a:stretch>
+          </p:blipFill>
+          <p:spPr>
+            <a:xfrm>
+              <a:off x="99276" y="285231"/>
+              <a:ext cx="8800985" cy="2173489"/>
+            </a:xfrm>
+            <a:prstGeom prst="rect">
+              <a:avLst/>
+            </a:prstGeom>
+          </p:spPr>
+        </p:pic>
+        <p:grpSp>
+          <p:nvGrpSpPr>
+            <p:cNvPr id="11" name="组合 10">
+              <a:extLst>
+                <a:ext uri="{FF2B5EF4-FFF2-40B4-BE49-F238E27FC236}">
+                  <a16:creationId xmlns:a16="http://schemas.microsoft.com/office/drawing/2014/main" id="{C0354346-EA1B-D30A-1AC9-06D7F19F62B6}"/>
+                </a:ext>
+              </a:extLst>
+            </p:cNvPr>
+            <p:cNvGrpSpPr/>
+            <p:nvPr/>
+          </p:nvGrpSpPr>
+          <p:grpSpPr>
+            <a:xfrm>
+              <a:off x="97235" y="2535023"/>
+              <a:ext cx="2858402" cy="1333919"/>
+              <a:chOff x="97235" y="2535023"/>
+              <a:chExt cx="2858402" cy="1333919"/>
+            </a:xfrm>
+          </p:grpSpPr>
+          <p:pic>
+            <p:nvPicPr>
+              <p:cNvPr id="5" name="图片 4">
+                <a:extLst>
+                  <a:ext uri="{FF2B5EF4-FFF2-40B4-BE49-F238E27FC236}">
+                    <a16:creationId xmlns:a16="http://schemas.microsoft.com/office/drawing/2014/main" id="{C626EE6F-ECE1-87C3-AA49-368D2C06EB0C}"/>
+                  </a:ext>
+                </a:extLst>
+              </p:cNvPr>
+              <p:cNvPicPr>
+                <a:picLocks noChangeAspect="1"/>
+              </p:cNvPicPr>
+              <p:nvPr/>
+            </p:nvPicPr>
+            <p:blipFill rotWithShape="1">
+              <a:blip r:embed="rId3">
+                <a:extLst>
+                  <a:ext uri="{28A0092B-C50C-407E-A947-70E740481C1C}">
+                    <a14:useLocalDpi xmlns:a14="http://schemas.microsoft.com/office/drawing/2010/main" val="0"/>
+                  </a:ext>
+                </a:extLst>
+              </a:blip>
+              <a:srcRect l="45332" t="36296" r="37612" b="39074"/>
+              <a:stretch/>
+            </p:blipFill>
+            <p:spPr>
+              <a:xfrm>
+                <a:off x="97235" y="2535023"/>
+                <a:ext cx="1429202" cy="1333919"/>
+              </a:xfrm>
+              <a:prstGeom prst="rect">
+                <a:avLst/>
+              </a:prstGeom>
+            </p:spPr>
+          </p:pic>
+          <p:pic>
+            <p:nvPicPr>
+              <p:cNvPr id="7" name="图片 6">
+                <a:extLst>
+                  <a:ext uri="{FF2B5EF4-FFF2-40B4-BE49-F238E27FC236}">
+                    <a16:creationId xmlns:a16="http://schemas.microsoft.com/office/drawing/2014/main" id="{8A5FCFE1-1576-27B0-40A2-E2E79742344E}"/>
+                  </a:ext>
+                </a:extLst>
+              </p:cNvPr>
+              <p:cNvPicPr>
+                <a:picLocks noChangeAspect="1"/>
+              </p:cNvPicPr>
+              <p:nvPr/>
+            </p:nvPicPr>
+            <p:blipFill rotWithShape="1">
+              <a:blip r:embed="rId4">
+                <a:extLst>
+                  <a:ext uri="{28A0092B-C50C-407E-A947-70E740481C1C}">
+                    <a14:useLocalDpi xmlns:a14="http://schemas.microsoft.com/office/drawing/2010/main" val="0"/>
+                  </a:ext>
+                </a:extLst>
+              </a:blip>
+              <a:srcRect l="45332" t="36296" r="37612" b="39074"/>
+              <a:stretch/>
+            </p:blipFill>
+            <p:spPr>
+              <a:xfrm>
+                <a:off x="1526437" y="2535023"/>
+                <a:ext cx="1429200" cy="1333919"/>
+              </a:xfrm>
+              <a:prstGeom prst="rect">
+                <a:avLst/>
+              </a:prstGeom>
+            </p:spPr>
+          </p:pic>
+        </p:grpSp>
+        <p:grpSp>
+          <p:nvGrpSpPr>
+            <p:cNvPr id="12" name="组合 11">
+              <a:extLst>
+                <a:ext uri="{FF2B5EF4-FFF2-40B4-BE49-F238E27FC236}">
+                  <a16:creationId xmlns:a16="http://schemas.microsoft.com/office/drawing/2014/main" id="{CEA53097-AE47-7238-3DE1-57B32462A2FD}"/>
+                </a:ext>
+              </a:extLst>
+            </p:cNvPr>
+            <p:cNvGrpSpPr/>
+            <p:nvPr/>
+          </p:nvGrpSpPr>
+          <p:grpSpPr>
+            <a:xfrm>
+              <a:off x="3185503" y="2524507"/>
+              <a:ext cx="2858400" cy="1344435"/>
+              <a:chOff x="3246452" y="2524507"/>
+              <a:chExt cx="2858400" cy="1344435"/>
+            </a:xfrm>
+          </p:grpSpPr>
+          <p:pic>
+            <p:nvPicPr>
+              <p:cNvPr id="6" name="图片 5">
+                <a:extLst>
+                  <a:ext uri="{FF2B5EF4-FFF2-40B4-BE49-F238E27FC236}">
+                    <a16:creationId xmlns:a16="http://schemas.microsoft.com/office/drawing/2014/main" id="{95405A5D-CF55-527B-AF5D-3781C0F2C5FC}"/>
+                  </a:ext>
+                </a:extLst>
+              </p:cNvPr>
+              <p:cNvPicPr>
+                <a:picLocks noChangeAspect="1"/>
+              </p:cNvPicPr>
+              <p:nvPr/>
+            </p:nvPicPr>
+            <p:blipFill rotWithShape="1">
+              <a:blip r:embed="rId5">
+                <a:extLst>
+                  <a:ext uri="{28A0092B-C50C-407E-A947-70E740481C1C}">
+                    <a14:useLocalDpi xmlns:a14="http://schemas.microsoft.com/office/drawing/2010/main" val="0"/>
+                  </a:ext>
+                </a:extLst>
+              </a:blip>
+              <a:srcRect l="44131" t="37963" r="39647" b="38426"/>
+              <a:stretch/>
+            </p:blipFill>
+            <p:spPr>
+              <a:xfrm>
+                <a:off x="3246452" y="2524507"/>
+                <a:ext cx="1429200" cy="1344435"/>
+              </a:xfrm>
+              <a:prstGeom prst="rect">
+                <a:avLst/>
+              </a:prstGeom>
+            </p:spPr>
+          </p:pic>
+          <p:pic>
+            <p:nvPicPr>
+              <p:cNvPr id="8" name="图片 7">
+                <a:extLst>
+                  <a:ext uri="{FF2B5EF4-FFF2-40B4-BE49-F238E27FC236}">
+                    <a16:creationId xmlns:a16="http://schemas.microsoft.com/office/drawing/2014/main" id="{9CB9E77D-B12C-1039-D0FE-4E072FEC6D9F}"/>
+                  </a:ext>
+                </a:extLst>
+              </p:cNvPr>
+              <p:cNvPicPr>
+                <a:picLocks noChangeAspect="1"/>
+              </p:cNvPicPr>
+              <p:nvPr/>
+            </p:nvPicPr>
+            <p:blipFill rotWithShape="1">
+              <a:blip r:embed="rId6">
+                <a:extLst>
+                  <a:ext uri="{28A0092B-C50C-407E-A947-70E740481C1C}">
+                    <a14:useLocalDpi xmlns:a14="http://schemas.microsoft.com/office/drawing/2010/main" val="0"/>
+                  </a:ext>
+                </a:extLst>
+              </a:blip>
+              <a:srcRect l="43977" t="37963" r="39647" b="38426"/>
+              <a:stretch/>
+            </p:blipFill>
+            <p:spPr>
+              <a:xfrm>
+                <a:off x="4675652" y="2524507"/>
+                <a:ext cx="1429200" cy="1331819"/>
+              </a:xfrm>
+              <a:prstGeom prst="rect">
+                <a:avLst/>
+              </a:prstGeom>
+            </p:spPr>
+          </p:pic>
+        </p:grpSp>
+        <p:grpSp>
+          <p:nvGrpSpPr>
+            <p:cNvPr id="13" name="组合 12">
+              <a:extLst>
+                <a:ext uri="{FF2B5EF4-FFF2-40B4-BE49-F238E27FC236}">
+                  <a16:creationId xmlns:a16="http://schemas.microsoft.com/office/drawing/2014/main" id="{549A02E2-6415-6FCC-0FEF-03C7A41A3530}"/>
+                </a:ext>
+              </a:extLst>
+            </p:cNvPr>
+            <p:cNvGrpSpPr/>
+            <p:nvPr/>
+          </p:nvGrpSpPr>
+          <p:grpSpPr>
+            <a:xfrm>
+              <a:off x="6107176" y="2735575"/>
+              <a:ext cx="2801552" cy="1080000"/>
+              <a:chOff x="6302221" y="2879748"/>
+              <a:chExt cx="2801552" cy="1080000"/>
+            </a:xfrm>
+          </p:grpSpPr>
+          <p:pic>
+            <p:nvPicPr>
+              <p:cNvPr id="9" name="图片 8">
+                <a:extLst>
+                  <a:ext uri="{FF2B5EF4-FFF2-40B4-BE49-F238E27FC236}">
+                    <a16:creationId xmlns:a16="http://schemas.microsoft.com/office/drawing/2014/main" id="{BE05170C-BF95-6AD9-104F-BE4FA24CD38A}"/>
+                  </a:ext>
+                </a:extLst>
+              </p:cNvPr>
+              <p:cNvPicPr>
+                <a:picLocks noChangeAspect="1"/>
+              </p:cNvPicPr>
+              <p:nvPr/>
+            </p:nvPicPr>
+            <p:blipFill rotWithShape="1">
+              <a:blip r:embed="rId7">
+                <a:extLst>
+                  <a:ext uri="{28A0092B-C50C-407E-A947-70E740481C1C}">
+                    <a14:useLocalDpi xmlns:a14="http://schemas.microsoft.com/office/drawing/2010/main" val="0"/>
+                  </a:ext>
+                </a:extLst>
+              </a:blip>
+              <a:srcRect l="38603" t="41321" r="41730" b="34805"/>
+              <a:stretch/>
+            </p:blipFill>
+            <p:spPr>
+              <a:xfrm>
+                <a:off x="7703506" y="2879748"/>
+                <a:ext cx="1400267" cy="1080000"/>
+              </a:xfrm>
+              <a:prstGeom prst="rect">
+                <a:avLst/>
+              </a:prstGeom>
+            </p:spPr>
+          </p:pic>
+          <p:pic>
+            <p:nvPicPr>
+              <p:cNvPr id="10" name="图片 9">
+                <a:extLst>
+                  <a:ext uri="{FF2B5EF4-FFF2-40B4-BE49-F238E27FC236}">
+                    <a16:creationId xmlns:a16="http://schemas.microsoft.com/office/drawing/2014/main" id="{6F149694-34AE-211D-98F7-2E1A9CA43AB1}"/>
+                  </a:ext>
+                </a:extLst>
+              </p:cNvPr>
+              <p:cNvPicPr>
+                <a:picLocks noChangeAspect="1"/>
+              </p:cNvPicPr>
+              <p:nvPr/>
+            </p:nvPicPr>
+            <p:blipFill rotWithShape="1">
+              <a:blip r:embed="rId8">
+                <a:extLst>
+                  <a:ext uri="{28A0092B-C50C-407E-A947-70E740481C1C}">
+                    <a14:useLocalDpi xmlns:a14="http://schemas.microsoft.com/office/drawing/2010/main" val="0"/>
+                  </a:ext>
+                </a:extLst>
+              </a:blip>
+              <a:srcRect l="38603" t="41321" r="41730" b="34821"/>
+              <a:stretch/>
+            </p:blipFill>
+            <p:spPr>
+              <a:xfrm>
+                <a:off x="6302221" y="2879748"/>
+                <a:ext cx="1401285" cy="1080000"/>
+              </a:xfrm>
+              <a:prstGeom prst="rect">
+                <a:avLst/>
+              </a:prstGeom>
+            </p:spPr>
+          </p:pic>
+        </p:grpSp>
+      </p:grpSp>
+    </p:spTree>
+    <p:extLst>
+      <p:ext uri="{BB962C8B-B14F-4D97-AF65-F5344CB8AC3E}">
+        <p14:creationId xmlns:p14="http://schemas.microsoft.com/office/powerpoint/2010/main" val="3254886317"/>
       </p:ext>
     </p:extLst>
   </p:cSld>
